--- a/semaine5/CO12AL-W5-VIDEO01-SLIDE01.pptx
+++ b/semaine5/CO12AL-W5-VIDEO01-SLIDE01.pptx
@@ -5,14 +5,15 @@
     <p:sldMasterId id="2147483649" r:id="rId1"/>
   </p:sldMasterIdLst>
   <p:notesMasterIdLst>
-    <p:notesMasterId r:id="rId4"/>
+    <p:notesMasterId r:id="rId5"/>
   </p:notesMasterIdLst>
   <p:handoutMasterIdLst>
-    <p:handoutMasterId r:id="rId5"/>
+    <p:handoutMasterId r:id="rId6"/>
   </p:handoutMasterIdLst>
   <p:sldIdLst>
     <p:sldId id="897" r:id="rId2"/>
     <p:sldId id="898" r:id="rId3"/>
+    <p:sldId id="899" r:id="rId4"/>
   </p:sldIdLst>
   <p:sldSz cx="12192000" cy="6858000"/>
   <p:notesSz cx="7099300" cy="10234613"/>
@@ -148,6 +149,7 @@
           <p14:sldIdLst>
             <p14:sldId id="897"/>
             <p14:sldId id="898"/>
+            <p14:sldId id="899"/>
           </p14:sldIdLst>
         </p14:section>
       </p14:sectionLst>
@@ -1066,11 +1068,17 @@
           <a:p>
             <a:r>
               <a:rPr lang="fr-FR" baseline="0" dirty="0" smtClean="0"/>
-              <a:t>Pour chercher les différentes variables on utilise la notion de scope qui </a:t>
-            </a:r>
-            <a:r>
-              <a:rPr lang="fr-FR" baseline="0" smtClean="0"/>
-              <a:t>est textuelle. </a:t>
+              <a:t>Pour chercher les différentes variables on utilise la notion de scope qui est textuelle. </a:t>
+            </a:r>
+            <a:endParaRPr lang="fr-FR" baseline="0" dirty="0" smtClean="0"/>
+          </a:p>
+          <a:p>
+            <a:endParaRPr lang="fr-FR" baseline="0" dirty="0" smtClean="0"/>
+          </a:p>
+          <a:p>
+            <a:r>
+              <a:rPr lang="fr-FR" baseline="0" dirty="0" smtClean="0"/>
+              <a:t>Expliquer la notation .</a:t>
             </a:r>
             <a:endParaRPr lang="fr-FR" dirty="0"/>
           </a:p>
@@ -4483,10 +4491,6 @@
               </a:rPr>
               <a:t> x</a:t>
             </a:r>
-            <a:endParaRPr lang="fr-FR" dirty="0">
-              <a:latin typeface="Courier New" panose="02070309020205020404" pitchFamily="49" charset="0"/>
-              <a:cs typeface="Courier New" panose="02070309020205020404" pitchFamily="49" charset="0"/>
-            </a:endParaRPr>
           </a:p>
         </p:txBody>
       </p:sp>
@@ -4526,14 +4530,7 @@
                 <a:latin typeface="Courier New" panose="02070309020205020404" pitchFamily="49" charset="0"/>
                 <a:cs typeface="Courier New" panose="02070309020205020404" pitchFamily="49" charset="0"/>
               </a:rPr>
-              <a:t>x</a:t>
-            </a:r>
-            <a:r>
-              <a:rPr lang="fr-FR" dirty="0">
-                <a:latin typeface="Courier New" panose="02070309020205020404" pitchFamily="49" charset="0"/>
-                <a:cs typeface="Courier New" panose="02070309020205020404" pitchFamily="49" charset="0"/>
-              </a:rPr>
-              <a:t> = 2</a:t>
+              <a:t>x = 2</a:t>
             </a:r>
           </a:p>
           <a:p>
@@ -4574,10 +4571,6 @@
               </a:rPr>
               <a:t> x</a:t>
             </a:r>
-            <a:endParaRPr lang="fr-FR" dirty="0">
-              <a:latin typeface="Courier New" panose="02070309020205020404" pitchFamily="49" charset="0"/>
-              <a:cs typeface="Courier New" panose="02070309020205020404" pitchFamily="49" charset="0"/>
-            </a:endParaRPr>
           </a:p>
           <a:p>
             <a:r>
@@ -4594,14 +4587,7 @@
                 <a:latin typeface="Courier New" panose="02070309020205020404" pitchFamily="49" charset="0"/>
                 <a:cs typeface="Courier New" panose="02070309020205020404" pitchFamily="49" charset="0"/>
               </a:rPr>
-              <a:t>s</a:t>
-            </a:r>
-            <a:r>
-              <a:rPr lang="fr-FR" dirty="0" err="1">
-                <a:latin typeface="Courier New" panose="02070309020205020404" pitchFamily="49" charset="0"/>
-                <a:cs typeface="Courier New" panose="02070309020205020404" pitchFamily="49" charset="0"/>
-              </a:rPr>
-              <a:t>pam.f</a:t>
+              <a:t>spam.f</a:t>
             </a:r>
             <a:r>
               <a:rPr lang="fr-FR" dirty="0">
@@ -4617,14 +4603,7 @@
                 <a:latin typeface="Courier New" panose="02070309020205020404" pitchFamily="49" charset="0"/>
                 <a:cs typeface="Courier New" panose="02070309020205020404" pitchFamily="49" charset="0"/>
               </a:rPr>
-              <a:t>p</a:t>
-            </a:r>
-            <a:r>
-              <a:rPr lang="fr-FR" dirty="0" err="1">
-                <a:latin typeface="Courier New" panose="02070309020205020404" pitchFamily="49" charset="0"/>
-                <a:cs typeface="Courier New" panose="02070309020205020404" pitchFamily="49" charset="0"/>
-              </a:rPr>
-              <a:t>rint</a:t>
+              <a:t>print</a:t>
             </a:r>
             <a:r>
               <a:rPr lang="fr-FR" dirty="0">
@@ -4673,17 +4652,8 @@
               <a:rPr lang="fr-FR" dirty="0">
                 <a:latin typeface="Calibri" panose="020F0502020204030204" pitchFamily="34" charset="0"/>
               </a:rPr>
-              <a:t>s</a:t>
-            </a:r>
-            <a:r>
-              <a:rPr lang="fr-FR" dirty="0">
-                <a:latin typeface="Calibri" panose="020F0502020204030204" pitchFamily="34" charset="0"/>
-              </a:rPr>
-              <a:t>pam.py</a:t>
-            </a:r>
-            <a:endParaRPr lang="fr-FR" dirty="0">
-              <a:latin typeface="Calibri" panose="020F0502020204030204" pitchFamily="34" charset="0"/>
-            </a:endParaRPr>
+              <a:t>spam.py</a:t>
+            </a:r>
           </a:p>
         </p:txBody>
       </p:sp>
@@ -4715,9 +4685,6 @@
               </a:rPr>
               <a:t>egg.py</a:t>
             </a:r>
-            <a:endParaRPr lang="fr-FR" dirty="0">
-              <a:latin typeface="Calibri" panose="020F0502020204030204" pitchFamily="34" charset="0"/>
-            </a:endParaRPr>
           </a:p>
         </p:txBody>
       </p:sp>
@@ -4750,10 +4717,6 @@
               </a:rPr>
               <a:t>$</a:t>
             </a:r>
-            <a:endParaRPr lang="fr-FR" sz="3200" dirty="0">
-              <a:latin typeface="Courier New" panose="02070309020205020404" pitchFamily="49" charset="0"/>
-              <a:cs typeface="Courier New" panose="02070309020205020404" pitchFamily="49" charset="0"/>
-            </a:endParaRPr>
           </a:p>
         </p:txBody>
       </p:sp>
@@ -4786,10 +4749,6 @@
               </a:rPr>
               <a:t> python egg.py</a:t>
             </a:r>
-            <a:endParaRPr lang="fr-FR" sz="3200" dirty="0">
-              <a:latin typeface="Courier New" panose="02070309020205020404" pitchFamily="49" charset="0"/>
-              <a:cs typeface="Courier New" panose="02070309020205020404" pitchFamily="49" charset="0"/>
-            </a:endParaRPr>
           </a:p>
         </p:txBody>
       </p:sp>
@@ -5631,10 +5590,6 @@
               </a:rPr>
               <a:t> x</a:t>
             </a:r>
-            <a:endParaRPr lang="fr-FR" dirty="0">
-              <a:latin typeface="Courier New" panose="02070309020205020404" pitchFamily="49" charset="0"/>
-              <a:cs typeface="Courier New" panose="02070309020205020404" pitchFamily="49" charset="0"/>
-            </a:endParaRPr>
           </a:p>
         </p:txBody>
       </p:sp>
@@ -5724,9 +5679,6 @@
                 </a:rPr>
                 <a:t>objets</a:t>
               </a:r>
-              <a:endParaRPr lang="fr-FR" sz="5400" dirty="0">
-                <a:latin typeface="Calibri" panose="020F0502020204030204" pitchFamily="34" charset="0"/>
-              </a:endParaRPr>
             </a:p>
           </p:txBody>
         </p:sp>
@@ -5773,9 +5725,6 @@
                 </a:rPr>
                 <a:t>variables</a:t>
               </a:r>
-              <a:endParaRPr lang="fr-FR" sz="5400" dirty="0">
-                <a:latin typeface="Calibri" panose="020F0502020204030204" pitchFamily="34" charset="0"/>
-              </a:endParaRPr>
             </a:p>
           </p:txBody>
         </p:sp>
@@ -5885,12 +5834,6 @@
               </a:rPr>
               <a:t>spam</a:t>
             </a:r>
-            <a:endParaRPr lang="fr-FR" sz="3200" dirty="0">
-              <a:solidFill>
-                <a:srgbClr val="FF0000"/>
-              </a:solidFill>
-              <a:latin typeface="Calibri" panose="020F0502020204030204" pitchFamily="34" charset="0"/>
-            </a:endParaRPr>
           </a:p>
         </p:txBody>
       </p:sp>
@@ -5962,9 +5905,6 @@
               </a:rPr>
               <a:t>x</a:t>
             </a:r>
-            <a:endParaRPr lang="fr-FR" sz="3200" dirty="0">
-              <a:latin typeface="Calibri" panose="020F0502020204030204" pitchFamily="34" charset="0"/>
-            </a:endParaRPr>
           </a:p>
         </p:txBody>
       </p:sp>
@@ -6039,9 +5979,6 @@
               </a:rPr>
               <a:t>2</a:t>
             </a:r>
-            <a:endParaRPr lang="fr-FR" sz="3200" dirty="0">
-              <a:latin typeface="Calibri" panose="020F0502020204030204" pitchFamily="34" charset="0"/>
-            </a:endParaRPr>
           </a:p>
         </p:txBody>
       </p:sp>
@@ -6081,14 +6018,7 @@
                 <a:latin typeface="Courier New" panose="02070309020205020404" pitchFamily="49" charset="0"/>
                 <a:cs typeface="Courier New" panose="02070309020205020404" pitchFamily="49" charset="0"/>
               </a:rPr>
-              <a:t>x</a:t>
-            </a:r>
-            <a:r>
-              <a:rPr lang="fr-FR" dirty="0">
-                <a:latin typeface="Courier New" panose="02070309020205020404" pitchFamily="49" charset="0"/>
-                <a:cs typeface="Courier New" panose="02070309020205020404" pitchFamily="49" charset="0"/>
-              </a:rPr>
-              <a:t> = 2</a:t>
+              <a:t>x = 2</a:t>
             </a:r>
           </a:p>
           <a:p>
@@ -6129,10 +6059,6 @@
               </a:rPr>
               <a:t> x</a:t>
             </a:r>
-            <a:endParaRPr lang="fr-FR" dirty="0">
-              <a:latin typeface="Courier New" panose="02070309020205020404" pitchFamily="49" charset="0"/>
-              <a:cs typeface="Courier New" panose="02070309020205020404" pitchFamily="49" charset="0"/>
-            </a:endParaRPr>
           </a:p>
           <a:p>
             <a:r>
@@ -6149,14 +6075,7 @@
                 <a:latin typeface="Courier New" panose="02070309020205020404" pitchFamily="49" charset="0"/>
                 <a:cs typeface="Courier New" panose="02070309020205020404" pitchFamily="49" charset="0"/>
               </a:rPr>
-              <a:t>s</a:t>
-            </a:r>
-            <a:r>
-              <a:rPr lang="fr-FR" dirty="0" err="1">
-                <a:latin typeface="Courier New" panose="02070309020205020404" pitchFamily="49" charset="0"/>
-                <a:cs typeface="Courier New" panose="02070309020205020404" pitchFamily="49" charset="0"/>
-              </a:rPr>
-              <a:t>pam.f</a:t>
+              <a:t>spam.f</a:t>
             </a:r>
             <a:r>
               <a:rPr lang="fr-FR" dirty="0">
@@ -6172,14 +6091,7 @@
                 <a:latin typeface="Courier New" panose="02070309020205020404" pitchFamily="49" charset="0"/>
                 <a:cs typeface="Courier New" panose="02070309020205020404" pitchFamily="49" charset="0"/>
               </a:rPr>
-              <a:t>p</a:t>
-            </a:r>
-            <a:r>
-              <a:rPr lang="fr-FR" dirty="0" err="1">
-                <a:latin typeface="Courier New" panose="02070309020205020404" pitchFamily="49" charset="0"/>
-                <a:cs typeface="Courier New" panose="02070309020205020404" pitchFamily="49" charset="0"/>
-              </a:rPr>
-              <a:t>rint</a:t>
+              <a:t>print</a:t>
             </a:r>
             <a:r>
               <a:rPr lang="fr-FR" dirty="0">
@@ -6228,17 +6140,8 @@
               <a:rPr lang="fr-FR" dirty="0">
                 <a:latin typeface="Calibri" panose="020F0502020204030204" pitchFamily="34" charset="0"/>
               </a:rPr>
-              <a:t>s</a:t>
-            </a:r>
-            <a:r>
-              <a:rPr lang="fr-FR" dirty="0">
-                <a:latin typeface="Calibri" panose="020F0502020204030204" pitchFamily="34" charset="0"/>
-              </a:rPr>
-              <a:t>pam.py</a:t>
-            </a:r>
-            <a:endParaRPr lang="fr-FR" dirty="0">
-              <a:latin typeface="Calibri" panose="020F0502020204030204" pitchFamily="34" charset="0"/>
-            </a:endParaRPr>
+              <a:t>spam.py</a:t>
+            </a:r>
           </a:p>
         </p:txBody>
       </p:sp>
@@ -6270,9 +6173,6 @@
               </a:rPr>
               <a:t>egg.py</a:t>
             </a:r>
-            <a:endParaRPr lang="fr-FR" dirty="0">
-              <a:latin typeface="Calibri" panose="020F0502020204030204" pitchFamily="34" charset="0"/>
-            </a:endParaRPr>
           </a:p>
         </p:txBody>
       </p:sp>
@@ -6335,9 +6235,6 @@
               </a:rPr>
               <a:t>x</a:t>
             </a:r>
-            <a:endParaRPr lang="fr-FR" sz="3200" dirty="0">
-              <a:latin typeface="Calibri" panose="020F0502020204030204" pitchFamily="34" charset="0"/>
-            </a:endParaRPr>
           </a:p>
         </p:txBody>
       </p:sp>
@@ -6515,17 +6412,8 @@
               <a:rPr lang="fr-FR" sz="3200" dirty="0">
                 <a:latin typeface="Calibri" panose="020F0502020204030204" pitchFamily="34" charset="0"/>
               </a:rPr>
-              <a:t>m</a:t>
-            </a:r>
-            <a:r>
-              <a:rPr lang="fr-FR" sz="3200" dirty="0">
-                <a:latin typeface="Calibri" panose="020F0502020204030204" pitchFamily="34" charset="0"/>
-              </a:rPr>
-              <a:t>odule spam</a:t>
-            </a:r>
-            <a:endParaRPr lang="fr-FR" sz="3200" dirty="0">
-              <a:latin typeface="Calibri" panose="020F0502020204030204" pitchFamily="34" charset="0"/>
-            </a:endParaRPr>
+              <a:t>module spam</a:t>
+            </a:r>
           </a:p>
         </p:txBody>
       </p:sp>
@@ -7255,6 +7143,186 @@
           </a:p>
         </p:txBody>
       </p:sp>
+      <p:grpSp>
+        <p:nvGrpSpPr>
+          <p:cNvPr id="21" name="Groupe 20"/>
+          <p:cNvGrpSpPr/>
+          <p:nvPr/>
+        </p:nvGrpSpPr>
+        <p:grpSpPr>
+          <a:xfrm>
+            <a:off x="782708" y="1282886"/>
+            <a:ext cx="8297556" cy="1323439"/>
+            <a:chOff x="782708" y="1282886"/>
+            <a:chExt cx="8297556" cy="1323439"/>
+          </a:xfrm>
+        </p:grpSpPr>
+        <p:sp>
+          <p:nvSpPr>
+            <p:cNvPr id="3" name="Ellipse 2"/>
+            <p:cNvSpPr/>
+            <p:nvPr/>
+          </p:nvSpPr>
+          <p:spPr bwMode="auto">
+            <a:xfrm>
+              <a:off x="8718791" y="1919591"/>
+              <a:ext cx="361473" cy="341043"/>
+            </a:xfrm>
+            <a:prstGeom prst="ellipse">
+              <a:avLst/>
+            </a:prstGeom>
+            <a:noFill/>
+            <a:ln w="38100" cap="flat" cmpd="sng" algn="ctr">
+              <a:solidFill>
+                <a:srgbClr val="FF0000"/>
+              </a:solidFill>
+              <a:prstDash val="solid"/>
+              <a:round/>
+              <a:headEnd type="none" w="med" len="med"/>
+              <a:tailEnd type="triangle" w="lg" len="lg"/>
+            </a:ln>
+            <a:effectLst/>
+          </p:spPr>
+          <p:txBody>
+            <a:bodyPr rtlCol="0" anchor="ctr"/>
+            <a:lstStyle/>
+            <a:p>
+              <a:pPr algn="ctr"/>
+              <a:endParaRPr lang="fr-FR"/>
+            </a:p>
+          </p:txBody>
+        </p:sp>
+        <p:sp>
+          <p:nvSpPr>
+            <p:cNvPr id="10" name="ZoneTexte 9"/>
+            <p:cNvSpPr txBox="1"/>
+            <p:nvPr/>
+          </p:nvSpPr>
+          <p:spPr>
+            <a:xfrm>
+              <a:off x="782708" y="1282886"/>
+              <a:ext cx="5501640" cy="1323439"/>
+            </a:xfrm>
+            <a:prstGeom prst="rect">
+              <a:avLst/>
+            </a:prstGeom>
+            <a:noFill/>
+            <a:ln w="63500">
+              <a:solidFill>
+                <a:srgbClr val="FF0000"/>
+              </a:solidFill>
+            </a:ln>
+          </p:spPr>
+          <p:txBody>
+            <a:bodyPr wrap="square" rtlCol="0">
+              <a:spAutoFit/>
+            </a:bodyPr>
+            <a:lstStyle/>
+            <a:p>
+              <a:r>
+                <a:rPr lang="fr-FR" sz="4000" dirty="0" smtClean="0">
+                  <a:latin typeface="Calibri" panose="020F0502020204030204" pitchFamily="34" charset="0"/>
+                </a:rPr>
+                <a:t>Accès à f dans l’espace de nommage de spam</a:t>
+              </a:r>
+              <a:endParaRPr lang="fr-FR" sz="4000" dirty="0">
+                <a:latin typeface="Calibri" panose="020F0502020204030204" pitchFamily="34" charset="0"/>
+              </a:endParaRPr>
+            </a:p>
+          </p:txBody>
+        </p:sp>
+        <p:sp>
+          <p:nvSpPr>
+            <p:cNvPr id="20" name="Forme libre 19"/>
+            <p:cNvSpPr/>
+            <p:nvPr/>
+          </p:nvSpPr>
+          <p:spPr bwMode="auto">
+            <a:xfrm>
+              <a:off x="6286500" y="1427414"/>
+              <a:ext cx="2432291" cy="677479"/>
+            </a:xfrm>
+            <a:custGeom>
+              <a:avLst/>
+              <a:gdLst>
+                <a:gd name="connsiteX0" fmla="*/ 2438400 w 2512814"/>
+                <a:gd name="connsiteY0" fmla="*/ 649036 h 697047"/>
+                <a:gd name="connsiteX1" fmla="*/ 2362200 w 2512814"/>
+                <a:gd name="connsiteY1" fmla="*/ 629986 h 697047"/>
+                <a:gd name="connsiteX2" fmla="*/ 1085850 w 2512814"/>
+                <a:gd name="connsiteY2" fmla="*/ 1336 h 697047"/>
+                <a:gd name="connsiteX3" fmla="*/ 0 w 2512814"/>
+                <a:gd name="connsiteY3" fmla="*/ 496636 h 697047"/>
+                <a:gd name="connsiteX0" fmla="*/ 2400300 w 2492806"/>
+                <a:gd name="connsiteY0" fmla="*/ 649036 h 697047"/>
+                <a:gd name="connsiteX1" fmla="*/ 2362200 w 2492806"/>
+                <a:gd name="connsiteY1" fmla="*/ 629986 h 697047"/>
+                <a:gd name="connsiteX2" fmla="*/ 1085850 w 2492806"/>
+                <a:gd name="connsiteY2" fmla="*/ 1336 h 697047"/>
+                <a:gd name="connsiteX3" fmla="*/ 0 w 2492806"/>
+                <a:gd name="connsiteY3" fmla="*/ 496636 h 697047"/>
+              </a:gdLst>
+              <a:ahLst/>
+              <a:cxnLst>
+                <a:cxn ang="0">
+                  <a:pos x="connsiteX0" y="connsiteY0"/>
+                </a:cxn>
+                <a:cxn ang="0">
+                  <a:pos x="connsiteX1" y="connsiteY1"/>
+                </a:cxn>
+                <a:cxn ang="0">
+                  <a:pos x="connsiteX2" y="connsiteY2"/>
+                </a:cxn>
+                <a:cxn ang="0">
+                  <a:pos x="connsiteX3" y="connsiteY3"/>
+                </a:cxn>
+              </a:cxnLst>
+              <a:rect l="l" t="t" r="r" b="b"/>
+              <a:pathLst>
+                <a:path w="2492806" h="697047">
+                  <a:moveTo>
+                    <a:pt x="2400300" y="649036"/>
+                  </a:moveTo>
+                  <a:cubicBezTo>
+                    <a:pt x="2474912" y="693486"/>
+                    <a:pt x="2581275" y="737936"/>
+                    <a:pt x="2362200" y="629986"/>
+                  </a:cubicBezTo>
+                  <a:cubicBezTo>
+                    <a:pt x="2143125" y="522036"/>
+                    <a:pt x="1479550" y="23561"/>
+                    <a:pt x="1085850" y="1336"/>
+                  </a:cubicBezTo>
+                  <a:cubicBezTo>
+                    <a:pt x="692150" y="-20889"/>
+                    <a:pt x="346075" y="237873"/>
+                    <a:pt x="0" y="496636"/>
+                  </a:cubicBezTo>
+                </a:path>
+              </a:pathLst>
+            </a:custGeom>
+            <a:noFill/>
+            <a:ln w="38100" cap="flat" cmpd="sng" algn="ctr">
+              <a:solidFill>
+                <a:srgbClr val="FF0000"/>
+              </a:solidFill>
+              <a:prstDash val="solid"/>
+              <a:round/>
+              <a:headEnd type="none" w="med" len="med"/>
+              <a:tailEnd type="triangle" w="lg" len="lg"/>
+            </a:ln>
+            <a:effectLst/>
+          </p:spPr>
+          <p:txBody>
+            <a:bodyPr rtlCol="0" anchor="ctr"/>
+            <a:lstStyle/>
+            <a:p>
+              <a:pPr algn="ctr"/>
+              <a:endParaRPr lang="fr-FR"/>
+            </a:p>
+          </p:txBody>
+        </p:sp>
+      </p:grpSp>
     </p:spTree>
     <p:extLst>
       <p:ext uri="{BB962C8B-B14F-4D97-AF65-F5344CB8AC3E}">
@@ -9023,7 +9091,7 @@
                             </p:stCondLst>
                             <p:childTnLst>
                               <p:par>
-                                <p:cTn id="166" presetID="10" presetClass="entr" presetSubtype="0" fill="hold" grpId="0" nodeType="clickEffect">
+                                <p:cTn id="166" presetID="10" presetClass="entr" presetSubtype="0" fill="hold" nodeType="clickEffect">
                                   <p:stCondLst>
                                     <p:cond delay="0"/>
                                   </p:stCondLst>
@@ -9031,6 +9099,59 @@
                                     <p:set>
                                       <p:cBhvr>
                                         <p:cTn id="167" dur="1" fill="hold">
+                                          <p:stCondLst>
+                                            <p:cond delay="0"/>
+                                          </p:stCondLst>
+                                        </p:cTn>
+                                        <p:tgtEl>
+                                          <p:spTgt spid="21"/>
+                                        </p:tgtEl>
+                                        <p:attrNameLst>
+                                          <p:attrName>style.visibility</p:attrName>
+                                        </p:attrNameLst>
+                                      </p:cBhvr>
+                                      <p:to>
+                                        <p:strVal val="visible"/>
+                                      </p:to>
+                                    </p:set>
+                                    <p:animEffect transition="in" filter="fade">
+                                      <p:cBhvr>
+                                        <p:cTn id="168" dur="500"/>
+                                        <p:tgtEl>
+                                          <p:spTgt spid="21"/>
+                                        </p:tgtEl>
+                                      </p:cBhvr>
+                                    </p:animEffect>
+                                  </p:childTnLst>
+                                </p:cTn>
+                              </p:par>
+                            </p:childTnLst>
+                          </p:cTn>
+                        </p:par>
+                      </p:childTnLst>
+                    </p:cTn>
+                  </p:par>
+                  <p:par>
+                    <p:cTn id="169" fill="hold">
+                      <p:stCondLst>
+                        <p:cond delay="indefinite"/>
+                      </p:stCondLst>
+                      <p:childTnLst>
+                        <p:par>
+                          <p:cTn id="170" fill="hold">
+                            <p:stCondLst>
+                              <p:cond delay="0"/>
+                            </p:stCondLst>
+                            <p:childTnLst>
+                              <p:par>
+                                <p:cTn id="171" presetID="10" presetClass="entr" presetSubtype="0" fill="hold" grpId="0" nodeType="clickEffect">
+                                  <p:stCondLst>
+                                    <p:cond delay="0"/>
+                                  </p:stCondLst>
+                                  <p:childTnLst>
+                                    <p:set>
+                                      <p:cBhvr>
+                                        <p:cTn id="172" dur="1" fill="hold">
                                           <p:stCondLst>
                                             <p:cond delay="0"/>
                                           </p:stCondLst>
@@ -9048,7 +9169,7 @@
                                     </p:set>
                                     <p:animEffect transition="in" filter="fade">
                                       <p:cBhvr>
-                                        <p:cTn id="168" dur="500"/>
+                                        <p:cTn id="173" dur="500"/>
                                         <p:tgtEl>
                                           <p:spTgt spid="48"/>
                                         </p:tgtEl>
@@ -9058,14 +9179,41 @@
                                 </p:cTn>
                               </p:par>
                               <p:par>
-                                <p:cTn id="169" presetID="10" presetClass="exit" presetSubtype="0" fill="hold" grpId="1" nodeType="withEffect">
+                                <p:cTn id="174" presetID="1" presetClass="exit" presetSubtype="0" fill="hold" nodeType="withEffect">
+                                  <p:stCondLst>
+                                    <p:cond delay="0"/>
+                                  </p:stCondLst>
+                                  <p:childTnLst>
+                                    <p:set>
+                                      <p:cBhvr>
+                                        <p:cTn id="175" dur="1" fill="hold">
+                                          <p:stCondLst>
+                                            <p:cond delay="0"/>
+                                          </p:stCondLst>
+                                        </p:cTn>
+                                        <p:tgtEl>
+                                          <p:spTgt spid="21"/>
+                                        </p:tgtEl>
+                                        <p:attrNameLst>
+                                          <p:attrName>style.visibility</p:attrName>
+                                        </p:attrNameLst>
+                                      </p:cBhvr>
+                                      <p:to>
+                                        <p:strVal val="hidden"/>
+                                      </p:to>
+                                    </p:set>
+                                  </p:childTnLst>
+                                </p:cTn>
+                              </p:par>
+                              <p:par>
+                                <p:cTn id="176" presetID="10" presetClass="exit" presetSubtype="0" fill="hold" grpId="1" nodeType="withEffect">
                                   <p:stCondLst>
                                     <p:cond delay="0"/>
                                   </p:stCondLst>
                                   <p:childTnLst>
                                     <p:animEffect transition="out" filter="fade">
                                       <p:cBhvr>
-                                        <p:cTn id="170" dur="500"/>
+                                        <p:cTn id="177" dur="500"/>
                                         <p:tgtEl>
                                           <p:spTgt spid="41"/>
                                         </p:tgtEl>
@@ -9073,7 +9221,7 @@
                                     </p:animEffect>
                                     <p:set>
                                       <p:cBhvr>
-                                        <p:cTn id="171" dur="1" fill="hold">
+                                        <p:cTn id="178" dur="1" fill="hold">
                                           <p:stCondLst>
                                             <p:cond delay="499"/>
                                           </p:stCondLst>
@@ -9154,6 +9302,151 @@
       <p:bldP spid="49" grpId="0" animBg="1"/>
       <p:bldP spid="49" grpId="1" animBg="1"/>
     </p:bldLst>
+  </p:timing>
+</p:sld>
+</file>
+
+<file path=ppt/slides/slide3.xml><?xml version="1.0" encoding="utf-8"?>
+<p:sld xmlns:a="http://schemas.openxmlformats.org/drawingml/2006/main" xmlns:r="http://schemas.openxmlformats.org/officeDocument/2006/relationships" xmlns:p="http://schemas.openxmlformats.org/presentationml/2006/main">
+  <p:cSld>
+    <p:spTree>
+      <p:nvGrpSpPr>
+        <p:cNvPr id="1" name=""/>
+        <p:cNvGrpSpPr/>
+        <p:nvPr/>
+      </p:nvGrpSpPr>
+      <p:grpSpPr>
+        <a:xfrm>
+          <a:off x="0" y="0"/>
+          <a:ext cx="0" cy="0"/>
+          <a:chOff x="0" y="0"/>
+          <a:chExt cx="0" cy="0"/>
+        </a:xfrm>
+      </p:grpSpPr>
+      <p:sp>
+        <p:nvSpPr>
+          <p:cNvPr id="3" name="Espace réservé du contenu 2"/>
+          <p:cNvSpPr>
+            <a:spLocks noGrp="1"/>
+          </p:cNvSpPr>
+          <p:nvPr>
+            <p:ph idx="1"/>
+          </p:nvPr>
+        </p:nvSpPr>
+        <p:spPr>
+          <a:xfrm>
+            <a:off x="112295" y="653717"/>
+            <a:ext cx="11903242" cy="4525963"/>
+          </a:xfrm>
+        </p:spPr>
+        <p:txBody>
+          <a:bodyPr/>
+          <a:lstStyle/>
+          <a:p>
+            <a:pPr marL="0" indent="0">
+              <a:buNone/>
+            </a:pPr>
+            <a:r>
+              <a:rPr lang="fr-FR" sz="6000" dirty="0" smtClean="0"/>
+              <a:t>La notation </a:t>
+            </a:r>
+            <a:r>
+              <a:rPr lang="fr-FR" sz="6000" dirty="0" err="1" smtClean="0">
+                <a:solidFill>
+                  <a:srgbClr val="FF0000"/>
+                </a:solidFill>
+                <a:latin typeface="Courier New" panose="02070309020205020404" pitchFamily="49" charset="0"/>
+                <a:cs typeface="Courier New" panose="02070309020205020404" pitchFamily="49" charset="0"/>
+              </a:rPr>
+              <a:t>objet</a:t>
+            </a:r>
+            <a:r>
+              <a:rPr lang="fr-FR" sz="6000" dirty="0" err="1" smtClean="0">
+                <a:latin typeface="Courier New" panose="02070309020205020404" pitchFamily="49" charset="0"/>
+                <a:cs typeface="Courier New" panose="02070309020205020404" pitchFamily="49" charset="0"/>
+              </a:rPr>
+              <a:t>.</a:t>
+            </a:r>
+            <a:r>
+              <a:rPr lang="fr-FR" sz="6000" dirty="0" err="1" smtClean="0">
+                <a:solidFill>
+                  <a:srgbClr val="00B050"/>
+                </a:solidFill>
+                <a:latin typeface="Courier New" panose="02070309020205020404" pitchFamily="49" charset="0"/>
+                <a:cs typeface="Courier New" panose="02070309020205020404" pitchFamily="49" charset="0"/>
+              </a:rPr>
+              <a:t>variable</a:t>
+            </a:r>
+            <a:r>
+              <a:rPr lang="fr-FR" sz="6000" dirty="0" smtClean="0"/>
+              <a:t> </a:t>
+            </a:r>
+            <a:r>
+              <a:rPr lang="fr-FR" sz="6000" dirty="0" err="1" smtClean="0"/>
+              <a:t>permer</a:t>
+            </a:r>
+            <a:r>
+              <a:rPr lang="fr-FR" sz="6000" dirty="0" smtClean="0"/>
+              <a:t> d’accéder à </a:t>
+            </a:r>
+            <a:r>
+              <a:rPr lang="fr-FR" sz="6000" dirty="0" smtClean="0">
+                <a:solidFill>
+                  <a:srgbClr val="00B050"/>
+                </a:solidFill>
+                <a:latin typeface="Courier New" panose="02070309020205020404" pitchFamily="49" charset="0"/>
+                <a:cs typeface="Courier New" panose="02070309020205020404" pitchFamily="49" charset="0"/>
+              </a:rPr>
+              <a:t>variable</a:t>
+            </a:r>
+            <a:r>
+              <a:rPr lang="fr-FR" sz="6000" dirty="0" smtClean="0">
+                <a:solidFill>
+                  <a:srgbClr val="00B050"/>
+                </a:solidFill>
+              </a:rPr>
+              <a:t> </a:t>
+            </a:r>
+            <a:r>
+              <a:rPr lang="fr-FR" sz="6000" dirty="0" smtClean="0"/>
+              <a:t>dans l’espace de nommage de </a:t>
+            </a:r>
+            <a:r>
+              <a:rPr lang="fr-FR" sz="6000" dirty="0" smtClean="0">
+                <a:solidFill>
+                  <a:srgbClr val="FF0000"/>
+                </a:solidFill>
+                <a:latin typeface="Courier New" panose="02070309020205020404" pitchFamily="49" charset="0"/>
+                <a:cs typeface="Courier New" panose="02070309020205020404" pitchFamily="49" charset="0"/>
+              </a:rPr>
+              <a:t>objet</a:t>
+            </a:r>
+            <a:endParaRPr lang="fr-FR" sz="6000" dirty="0">
+              <a:solidFill>
+                <a:srgbClr val="FF0000"/>
+              </a:solidFill>
+              <a:latin typeface="Courier New" panose="02070309020205020404" pitchFamily="49" charset="0"/>
+              <a:cs typeface="Courier New" panose="02070309020205020404" pitchFamily="49" charset="0"/>
+            </a:endParaRPr>
+          </a:p>
+        </p:txBody>
+      </p:sp>
+    </p:spTree>
+    <p:extLst>
+      <p:ext uri="{BB962C8B-B14F-4D97-AF65-F5344CB8AC3E}">
+        <p14:creationId xmlns:p14="http://schemas.microsoft.com/office/powerpoint/2010/main" val="388033831"/>
+      </p:ext>
+    </p:extLst>
+  </p:cSld>
+  <p:clrMapOvr>
+    <a:masterClrMapping/>
+  </p:clrMapOvr>
+  <p:timing>
+    <p:tnLst>
+      <p:par>
+        <p:cTn id="1" dur="indefinite" restart="never" nodeType="tmRoot"/>
+      </p:par>
+    </p:tnLst>
   </p:timing>
 </p:sld>
 </file>
